--- a/midterm.pptx
+++ b/midterm.pptx
@@ -2284,12 +2284,6 @@
               </a:rPr>
               <a:t>Add photo</a:t>
             </a:r>
-            <a:endParaRPr lang="en-US" altLang="ko-KR" dirty="0" smtClean="0">
-              <a:solidFill>
-                <a:srgbClr val="404040"/>
-              </a:solidFill>
-              <a:cs typeface="Arial" pitchFamily="34" charset="0"/>
-            </a:endParaRPr>
           </a:p>
           <a:p>
             <a:pPr marL="342900" indent="-342900">
@@ -3060,360 +3054,62 @@
           <a:chExt cx="0" cy="0"/>
         </a:xfrm>
       </p:grpSpPr>
-      <p:grpSp>
-        <p:nvGrpSpPr>
-          <p:cNvPr id="5" name="Group 4"/>
-          <p:cNvGrpSpPr/>
-          <p:nvPr/>
-        </p:nvGrpSpPr>
-        <p:grpSpPr>
-          <a:xfrm>
-            <a:off x="1907704" y="1985806"/>
-            <a:ext cx="5472608" cy="826255"/>
-            <a:chOff x="1828381" y="3313206"/>
-            <a:chExt cx="5472608" cy="826255"/>
-          </a:xfrm>
-        </p:grpSpPr>
-        <p:sp>
-          <p:nvSpPr>
-            <p:cNvPr id="6" name="Title 1"/>
-            <p:cNvSpPr txBox="1">
-              <a:spLocks/>
-            </p:cNvSpPr>
-            <p:nvPr/>
-          </p:nvSpPr>
-          <p:spPr>
-            <a:xfrm>
-              <a:off x="1828381" y="3313206"/>
-              <a:ext cx="5472608" cy="542078"/>
-            </a:xfrm>
-            <a:prstGeom prst="rect">
-              <a:avLst/>
-            </a:prstGeom>
-          </p:spPr>
-          <p:txBody>
-            <a:bodyPr anchor="ctr"/>
-            <a:lstStyle>
-              <a:lvl1pPr algn="ctr" defTabSz="914400" rtl="0" eaLnBrk="1" latinLnBrk="1" hangingPunct="1">
-                <a:spcBef>
-                  <a:spcPct val="0"/>
-                </a:spcBef>
-                <a:buNone/>
-                <a:defRPr sz="3600" b="1" kern="1200" baseline="0">
-                  <a:solidFill>
-                    <a:schemeClr val="tx1">
-                      <a:lumMod val="75000"/>
-                      <a:lumOff val="25000"/>
-                    </a:schemeClr>
-                  </a:solidFill>
-                  <a:latin typeface="Arial" pitchFamily="34" charset="0"/>
-                  <a:ea typeface="+mj-ea"/>
-                  <a:cs typeface="Arial" pitchFamily="34" charset="0"/>
-                </a:defRPr>
-              </a:lvl1pPr>
-            </a:lstStyle>
-            <a:p>
-              <a:r>
-                <a:rPr lang="en-US" altLang="ko-KR" dirty="0">
-                  <a:solidFill>
-                    <a:schemeClr val="accent5"/>
-                  </a:solidFill>
-                  <a:latin typeface="+mj-lt"/>
-                </a:rPr>
-                <a:t>Thank you</a:t>
-              </a:r>
-              <a:endParaRPr lang="ko-KR" altLang="en-US" dirty="0">
-                <a:solidFill>
-                  <a:schemeClr val="accent5"/>
-                </a:solidFill>
-                <a:latin typeface="+mj-lt"/>
-              </a:endParaRPr>
-            </a:p>
-          </p:txBody>
-        </p:sp>
-        <p:sp>
-          <p:nvSpPr>
-            <p:cNvPr id="7" name="Text Placeholder 7"/>
-            <p:cNvSpPr txBox="1">
-              <a:spLocks/>
-            </p:cNvSpPr>
-            <p:nvPr/>
-          </p:nvSpPr>
-          <p:spPr>
-            <a:xfrm>
-              <a:off x="1828381" y="3862774"/>
-              <a:ext cx="5472608" cy="276687"/>
-            </a:xfrm>
-            <a:prstGeom prst="rect">
-              <a:avLst/>
-            </a:prstGeom>
-          </p:spPr>
-          <p:txBody>
-            <a:bodyPr/>
-            <a:lstStyle>
-              <a:lvl1pPr marL="342900" indent="-342900" algn="l" defTabSz="914400" rtl="0" eaLnBrk="1" latinLnBrk="1" hangingPunct="1">
-                <a:spcBef>
-                  <a:spcPct val="20000"/>
-                </a:spcBef>
-                <a:buFont typeface="Arial" pitchFamily="34" charset="0"/>
-                <a:buChar char="•"/>
-                <a:defRPr sz="3200" kern="1200">
-                  <a:solidFill>
-                    <a:schemeClr val="tx1"/>
-                  </a:solidFill>
-                  <a:latin typeface="+mn-lt"/>
-                  <a:ea typeface="+mn-ea"/>
-                  <a:cs typeface="+mn-cs"/>
-                </a:defRPr>
-              </a:lvl1pPr>
-              <a:lvl2pPr marL="742950" indent="-285750" algn="l" defTabSz="914400" rtl="0" eaLnBrk="1" latinLnBrk="1" hangingPunct="1">
-                <a:spcBef>
-                  <a:spcPct val="20000"/>
-                </a:spcBef>
-                <a:buFont typeface="Arial" pitchFamily="34" charset="0"/>
-                <a:buChar char="–"/>
-                <a:defRPr sz="2800" kern="1200">
-                  <a:solidFill>
-                    <a:schemeClr val="tx1"/>
-                  </a:solidFill>
-                  <a:latin typeface="+mn-lt"/>
-                  <a:ea typeface="+mn-ea"/>
-                  <a:cs typeface="+mn-cs"/>
-                </a:defRPr>
-              </a:lvl2pPr>
-              <a:lvl3pPr marL="1143000" indent="-228600" algn="l" defTabSz="914400" rtl="0" eaLnBrk="1" latinLnBrk="1" hangingPunct="1">
-                <a:spcBef>
-                  <a:spcPct val="20000"/>
-                </a:spcBef>
-                <a:buFont typeface="Arial" pitchFamily="34" charset="0"/>
-                <a:buChar char="•"/>
-                <a:defRPr sz="2400" kern="1200">
-                  <a:solidFill>
-                    <a:schemeClr val="tx1"/>
-                  </a:solidFill>
-                  <a:latin typeface="+mn-lt"/>
-                  <a:ea typeface="+mn-ea"/>
-                  <a:cs typeface="+mn-cs"/>
-                </a:defRPr>
-              </a:lvl3pPr>
-              <a:lvl4pPr marL="1600200" indent="-228600" algn="l" defTabSz="914400" rtl="0" eaLnBrk="1" latinLnBrk="1" hangingPunct="1">
-                <a:spcBef>
-                  <a:spcPct val="20000"/>
-                </a:spcBef>
-                <a:buFont typeface="Arial" pitchFamily="34" charset="0"/>
-                <a:buChar char="–"/>
-                <a:defRPr sz="2000" kern="1200">
-                  <a:solidFill>
-                    <a:schemeClr val="tx1"/>
-                  </a:solidFill>
-                  <a:latin typeface="+mn-lt"/>
-                  <a:ea typeface="+mn-ea"/>
-                  <a:cs typeface="+mn-cs"/>
-                </a:defRPr>
-              </a:lvl4pPr>
-              <a:lvl5pPr marL="2057400" indent="-228600" algn="l" defTabSz="914400" rtl="0" eaLnBrk="1" latinLnBrk="1" hangingPunct="1">
-                <a:spcBef>
-                  <a:spcPct val="20000"/>
-                </a:spcBef>
-                <a:buFont typeface="Arial" pitchFamily="34" charset="0"/>
-                <a:buChar char="»"/>
-                <a:defRPr sz="2000" kern="1200">
-                  <a:solidFill>
-                    <a:schemeClr val="tx1"/>
-                  </a:solidFill>
-                  <a:latin typeface="+mn-lt"/>
-                  <a:ea typeface="+mn-ea"/>
-                  <a:cs typeface="+mn-cs"/>
-                </a:defRPr>
-              </a:lvl5pPr>
-              <a:lvl6pPr marL="2514600" indent="-228600" algn="l" defTabSz="914400" rtl="0" eaLnBrk="1" latinLnBrk="1" hangingPunct="1">
-                <a:spcBef>
-                  <a:spcPct val="20000"/>
-                </a:spcBef>
-                <a:buFont typeface="Arial" pitchFamily="34" charset="0"/>
-                <a:buChar char="•"/>
-                <a:defRPr sz="2000" kern="1200">
-                  <a:solidFill>
-                    <a:schemeClr val="tx1"/>
-                  </a:solidFill>
-                  <a:latin typeface="+mn-lt"/>
-                  <a:ea typeface="+mn-ea"/>
-                  <a:cs typeface="+mn-cs"/>
-                </a:defRPr>
-              </a:lvl6pPr>
-              <a:lvl7pPr marL="2971800" indent="-228600" algn="l" defTabSz="914400" rtl="0" eaLnBrk="1" latinLnBrk="1" hangingPunct="1">
-                <a:spcBef>
-                  <a:spcPct val="20000"/>
-                </a:spcBef>
-                <a:buFont typeface="Arial" pitchFamily="34" charset="0"/>
-                <a:buChar char="•"/>
-                <a:defRPr sz="2000" kern="1200">
-                  <a:solidFill>
-                    <a:schemeClr val="tx1"/>
-                  </a:solidFill>
-                  <a:latin typeface="+mn-lt"/>
-                  <a:ea typeface="+mn-ea"/>
-                  <a:cs typeface="+mn-cs"/>
-                </a:defRPr>
-              </a:lvl7pPr>
-              <a:lvl8pPr marL="3429000" indent="-228600" algn="l" defTabSz="914400" rtl="0" eaLnBrk="1" latinLnBrk="1" hangingPunct="1">
-                <a:spcBef>
-                  <a:spcPct val="20000"/>
-                </a:spcBef>
-                <a:buFont typeface="Arial" pitchFamily="34" charset="0"/>
-                <a:buChar char="•"/>
-                <a:defRPr sz="2000" kern="1200">
-                  <a:solidFill>
-                    <a:schemeClr val="tx1"/>
-                  </a:solidFill>
-                  <a:latin typeface="+mn-lt"/>
-                  <a:ea typeface="+mn-ea"/>
-                  <a:cs typeface="+mn-cs"/>
-                </a:defRPr>
-              </a:lvl8pPr>
-              <a:lvl9pPr marL="3886200" indent="-228600" algn="l" defTabSz="914400" rtl="0" eaLnBrk="1" latinLnBrk="1" hangingPunct="1">
-                <a:spcBef>
-                  <a:spcPct val="20000"/>
-                </a:spcBef>
-                <a:buFont typeface="Arial" pitchFamily="34" charset="0"/>
-                <a:buChar char="•"/>
-                <a:defRPr sz="2000" kern="1200">
-                  <a:solidFill>
-                    <a:schemeClr val="tx1"/>
-                  </a:solidFill>
-                  <a:latin typeface="+mn-lt"/>
-                  <a:ea typeface="+mn-ea"/>
-                  <a:cs typeface="+mn-cs"/>
-                </a:defRPr>
-              </a:lvl9pPr>
-            </a:lstStyle>
-            <a:p>
-              <a:pPr marL="0" indent="0" algn="ctr">
-                <a:buNone/>
-              </a:pPr>
-              <a:r>
-                <a:rPr lang="en-US" altLang="ko-KR" sz="1400" dirty="0">
-                  <a:solidFill>
-                    <a:schemeClr val="tx1">
-                      <a:lumMod val="65000"/>
-                      <a:lumOff val="35000"/>
-                    </a:schemeClr>
-                  </a:solidFill>
-                  <a:cs typeface="Arial" pitchFamily="34" charset="0"/>
-                </a:rPr>
-                <a:t>This text can be replaced with your own text</a:t>
-              </a:r>
-              <a:endParaRPr lang="ko-KR" altLang="en-US" sz="1400" dirty="0">
-                <a:solidFill>
-                  <a:schemeClr val="tx1">
-                    <a:lumMod val="65000"/>
-                    <a:lumOff val="35000"/>
-                  </a:schemeClr>
-                </a:solidFill>
-                <a:cs typeface="Arial" pitchFamily="34" charset="0"/>
-              </a:endParaRPr>
-            </a:p>
-          </p:txBody>
-        </p:sp>
-      </p:grpSp>
       <p:sp>
         <p:nvSpPr>
-          <p:cNvPr id="8" name="TextBox 7"/>
-          <p:cNvSpPr txBox="1"/>
+          <p:cNvPr id="6" name="Title 1"/>
+          <p:cNvSpPr txBox="1">
+            <a:spLocks/>
+          </p:cNvSpPr>
           <p:nvPr/>
         </p:nvSpPr>
         <p:spPr>
           <a:xfrm>
-            <a:off x="3239852" y="1491630"/>
-            <a:ext cx="2664296" cy="400110"/>
+            <a:off x="1907704" y="1985806"/>
+            <a:ext cx="5472608" cy="542078"/>
           </a:xfrm>
           <a:prstGeom prst="rect">
             <a:avLst/>
           </a:prstGeom>
-          <a:noFill/>
         </p:spPr>
         <p:txBody>
-          <a:bodyPr wrap="square">
-            <a:spAutoFit/>
-          </a:bodyPr>
-          <a:lstStyle/>
-          <a:p>
-            <a:pPr algn="ctr" fontAlgn="auto">
+          <a:bodyPr anchor="ctr"/>
+          <a:lstStyle>
+            <a:lvl1pPr algn="ctr" defTabSz="914400" rtl="0" eaLnBrk="1" latinLnBrk="1" hangingPunct="1">
               <a:spcBef>
-                <a:spcPts val="0"/>
+                <a:spcPct val="0"/>
               </a:spcBef>
-              <a:spcAft>
-                <a:spcPts val="0"/>
-              </a:spcAft>
-              <a:defRPr/>
-            </a:pPr>
-            <a:r>
-              <a:rPr kumimoji="0" lang="en-US" altLang="ko-KR" sz="1000" b="1" dirty="0">
-                <a:solidFill>
-                  <a:schemeClr val="accent4"/>
-                </a:solidFill>
+              <a:buNone/>
+              <a:defRPr sz="3600" b="1" kern="1200" baseline="0">
+                <a:solidFill>
+                  <a:schemeClr val="tx1">
+                    <a:lumMod val="75000"/>
+                    <a:lumOff val="25000"/>
+                  </a:schemeClr>
+                </a:solidFill>
+                <a:latin typeface="Arial" pitchFamily="34" charset="0"/>
+                <a:ea typeface="+mj-ea"/>
                 <a:cs typeface="Arial" pitchFamily="34" charset="0"/>
-              </a:rPr>
-              <a:t>INSERT THE TITLE</a:t>
-            </a:r>
-          </a:p>
-          <a:p>
-            <a:pPr algn="ctr" fontAlgn="auto">
-              <a:spcBef>
-                <a:spcPts val="0"/>
-              </a:spcBef>
-              <a:spcAft>
-                <a:spcPts val="0"/>
-              </a:spcAft>
-              <a:defRPr/>
-            </a:pPr>
-            <a:r>
-              <a:rPr kumimoji="0" lang="en-US" altLang="ko-KR" sz="1000" b="1" dirty="0">
-                <a:solidFill>
-                  <a:schemeClr val="accent4"/>
-                </a:solidFill>
-                <a:cs typeface="Arial" pitchFamily="34" charset="0"/>
-              </a:rPr>
-              <a:t>OF</a:t>
-            </a:r>
-            <a:r>
-              <a:rPr lang="en-US" altLang="ko-KR" sz="1000" b="1" dirty="0">
-                <a:solidFill>
-                  <a:schemeClr val="accent4"/>
-                </a:solidFill>
-                <a:cs typeface="Arial" pitchFamily="34" charset="0"/>
-              </a:rPr>
-              <a:t> </a:t>
-            </a:r>
-            <a:r>
-              <a:rPr kumimoji="0" lang="en-US" altLang="ko-KR" sz="1000" b="1" dirty="0">
-                <a:solidFill>
-                  <a:schemeClr val="accent4"/>
-                </a:solidFill>
-                <a:cs typeface="Arial" pitchFamily="34" charset="0"/>
-              </a:rPr>
-              <a:t>YOUR PRESENTATION HERE    </a:t>
-            </a:r>
+              </a:defRPr>
+            </a:lvl1pPr>
+          </a:lstStyle>
+          <a:p>
+            <a:r>
+              <a:rPr lang="en-US" altLang="ko-KR" dirty="0">
+                <a:solidFill>
+                  <a:schemeClr val="accent5"/>
+                </a:solidFill>
+                <a:latin typeface="+mj-lt"/>
+              </a:rPr>
+              <a:t>Thank you</a:t>
+            </a:r>
+            <a:endParaRPr lang="ko-KR" altLang="en-US" dirty="0">
+              <a:solidFill>
+                <a:schemeClr val="accent5"/>
+              </a:solidFill>
+              <a:latin typeface="+mj-lt"/>
+            </a:endParaRPr>
           </a:p>
         </p:txBody>
-      </p:sp>
-      <p:sp>
-        <p:nvSpPr>
-          <p:cNvPr id="3" name="그림 개체 틀 2">
-            <a:extLst>
-              <a:ext uri="{FF2B5EF4-FFF2-40B4-BE49-F238E27FC236}">
-                <a16:creationId xmlns:a16="http://schemas.microsoft.com/office/drawing/2014/main" id="{1680192C-809D-4687-95D4-9F8929C0D0B7}"/>
-              </a:ext>
-            </a:extLst>
-          </p:cNvPr>
-          <p:cNvSpPr>
-            <a:spLocks noGrp="1"/>
-          </p:cNvSpPr>
-          <p:nvPr>
-            <p:ph type="pic" idx="11"/>
-          </p:nvPr>
-        </p:nvSpPr>
-        <p:spPr/>
       </p:sp>
     </p:spTree>
     <p:extLst>
@@ -4103,7 +3799,7 @@
       </p:sp>
       <p:pic>
         <p:nvPicPr>
-          <p:cNvPr id="8" name="圖片 7"/>
+          <p:cNvPr id="31" name="圖片 30"/>
           <p:cNvPicPr>
             <a:picLocks noChangeAspect="1"/>
           </p:cNvPicPr>
@@ -4111,36 +3807,6 @@
         </p:nvPicPr>
         <p:blipFill>
           <a:blip r:embed="rId3" cstate="print">
-            <a:extLst>
-              <a:ext uri="{28A0092B-C50C-407E-A947-70E740481C1C}">
-                <a14:useLocalDpi xmlns:a14="http://schemas.microsoft.com/office/drawing/2010/main" val="0"/>
-              </a:ext>
-            </a:extLst>
-          </a:blip>
-          <a:stretch>
-            <a:fillRect/>
-          </a:stretch>
-        </p:blipFill>
-        <p:spPr>
-          <a:xfrm>
-            <a:off x="2033342" y="1123058"/>
-            <a:ext cx="900000" cy="900000"/>
-          </a:xfrm>
-          <a:prstGeom prst="rect">
-            <a:avLst/>
-          </a:prstGeom>
-        </p:spPr>
-      </p:pic>
-      <p:pic>
-        <p:nvPicPr>
-          <p:cNvPr id="31" name="圖片 30"/>
-          <p:cNvPicPr>
-            <a:picLocks noChangeAspect="1"/>
-          </p:cNvPicPr>
-          <p:nvPr/>
-        </p:nvPicPr>
-        <p:blipFill>
-          <a:blip r:embed="rId4" cstate="print">
             <a:extLst>
               <a:ext uri="{28A0092B-C50C-407E-A947-70E740481C1C}">
                 <a14:useLocalDpi xmlns:a14="http://schemas.microsoft.com/office/drawing/2010/main" val="0"/>
@@ -4170,7 +3836,7 @@
           <p:nvPr/>
         </p:nvPicPr>
         <p:blipFill>
-          <a:blip r:embed="rId5" cstate="print">
+          <a:blip r:embed="rId4" cstate="print">
             <a:extLst>
               <a:ext uri="{28A0092B-C50C-407E-A947-70E740481C1C}">
                 <a14:useLocalDpi xmlns:a14="http://schemas.microsoft.com/office/drawing/2010/main" val="0"/>
@@ -4200,7 +3866,7 @@
           <p:nvPr/>
         </p:nvPicPr>
         <p:blipFill>
-          <a:blip r:embed="rId6" cstate="print">
+          <a:blip r:embed="rId5" cstate="print">
             <a:extLst>
               <a:ext uri="{28A0092B-C50C-407E-A947-70E740481C1C}">
                 <a14:useLocalDpi xmlns:a14="http://schemas.microsoft.com/office/drawing/2010/main" val="0"/>
@@ -4320,7 +3986,7 @@
           <p:nvPr/>
         </p:nvPicPr>
         <p:blipFill>
-          <a:blip r:embed="rId7" cstate="print">
+          <a:blip r:embed="rId6" cstate="print">
             <a:extLst>
               <a:ext uri="{28A0092B-C50C-407E-A947-70E740481C1C}">
                 <a14:useLocalDpi xmlns:a14="http://schemas.microsoft.com/office/drawing/2010/main" val="0"/>
@@ -4380,7 +4046,7 @@
           <p:nvPr/>
         </p:nvPicPr>
         <p:blipFill>
-          <a:blip r:embed="rId8" cstate="print">
+          <a:blip r:embed="rId7" cstate="print">
             <a:extLst>
               <a:ext uri="{28A0092B-C50C-407E-A947-70E740481C1C}">
                 <a14:useLocalDpi xmlns:a14="http://schemas.microsoft.com/office/drawing/2010/main" val="0"/>
@@ -4428,6 +4094,587 @@
               <a:t>Theme setting</a:t>
             </a:r>
             <a:endParaRPr lang="zh-TW" altLang="en-US" sz="1200" dirty="0"/>
+          </a:p>
+        </p:txBody>
+      </p:sp>
+      <p:sp>
+        <p:nvSpPr>
+          <p:cNvPr id="18" name="Rectangle 30">
+            <a:extLst>
+              <a:ext uri="{FF2B5EF4-FFF2-40B4-BE49-F238E27FC236}">
+                <a16:creationId xmlns:a16="http://schemas.microsoft.com/office/drawing/2014/main" id="{14302CD8-9730-4558-85D1-CD7DAD851FA6}"/>
+              </a:ext>
+            </a:extLst>
+          </p:cNvPr>
+          <p:cNvSpPr>
+            <a:spLocks noChangeAspect="1"/>
+          </p:cNvSpPr>
+          <p:nvPr/>
+        </p:nvSpPr>
+        <p:spPr>
+          <a:xfrm>
+            <a:off x="2086889" y="1213058"/>
+            <a:ext cx="722110" cy="720000"/>
+          </a:xfrm>
+          <a:custGeom>
+            <a:avLst/>
+            <a:gdLst/>
+            <a:ahLst/>
+            <a:cxnLst/>
+            <a:rect l="l" t="t" r="r" b="b"/>
+            <a:pathLst>
+              <a:path w="3240000" h="3230531">
+                <a:moveTo>
+                  <a:pt x="720000" y="2697973"/>
+                </a:moveTo>
+                <a:cubicBezTo>
+                  <a:pt x="680235" y="2697973"/>
+                  <a:pt x="648000" y="2730208"/>
+                  <a:pt x="648000" y="2769973"/>
+                </a:cubicBezTo>
+                <a:cubicBezTo>
+                  <a:pt x="648000" y="2809738"/>
+                  <a:pt x="680235" y="2841973"/>
+                  <a:pt x="720000" y="2841973"/>
+                </a:cubicBezTo>
+                <a:lnTo>
+                  <a:pt x="2520000" y="2841973"/>
+                </a:lnTo>
+                <a:cubicBezTo>
+                  <a:pt x="2559765" y="2841973"/>
+                  <a:pt x="2592000" y="2809738"/>
+                  <a:pt x="2592000" y="2769973"/>
+                </a:cubicBezTo>
+                <a:cubicBezTo>
+                  <a:pt x="2592000" y="2730208"/>
+                  <a:pt x="2559765" y="2697973"/>
+                  <a:pt x="2520000" y="2697973"/>
+                </a:cubicBezTo>
+                <a:close/>
+                <a:moveTo>
+                  <a:pt x="720000" y="2366733"/>
+                </a:moveTo>
+                <a:cubicBezTo>
+                  <a:pt x="680235" y="2366733"/>
+                  <a:pt x="648000" y="2398968"/>
+                  <a:pt x="648000" y="2438733"/>
+                </a:cubicBezTo>
+                <a:cubicBezTo>
+                  <a:pt x="648000" y="2478498"/>
+                  <a:pt x="680235" y="2510733"/>
+                  <a:pt x="720000" y="2510733"/>
+                </a:cubicBezTo>
+                <a:lnTo>
+                  <a:pt x="2520000" y="2510733"/>
+                </a:lnTo>
+                <a:cubicBezTo>
+                  <a:pt x="2559765" y="2510733"/>
+                  <a:pt x="2592000" y="2478498"/>
+                  <a:pt x="2592000" y="2438733"/>
+                </a:cubicBezTo>
+                <a:cubicBezTo>
+                  <a:pt x="2592000" y="2398968"/>
+                  <a:pt x="2559765" y="2366733"/>
+                  <a:pt x="2520000" y="2366733"/>
+                </a:cubicBezTo>
+                <a:close/>
+                <a:moveTo>
+                  <a:pt x="720000" y="2035493"/>
+                </a:moveTo>
+                <a:cubicBezTo>
+                  <a:pt x="680235" y="2035493"/>
+                  <a:pt x="648000" y="2067728"/>
+                  <a:pt x="648000" y="2107493"/>
+                </a:cubicBezTo>
+                <a:cubicBezTo>
+                  <a:pt x="648000" y="2147258"/>
+                  <a:pt x="680235" y="2179493"/>
+                  <a:pt x="720000" y="2179493"/>
+                </a:cubicBezTo>
+                <a:lnTo>
+                  <a:pt x="2520000" y="2179493"/>
+                </a:lnTo>
+                <a:cubicBezTo>
+                  <a:pt x="2559765" y="2179493"/>
+                  <a:pt x="2592000" y="2147258"/>
+                  <a:pt x="2592000" y="2107493"/>
+                </a:cubicBezTo>
+                <a:cubicBezTo>
+                  <a:pt x="2592000" y="2067728"/>
+                  <a:pt x="2559765" y="2035493"/>
+                  <a:pt x="2520000" y="2035493"/>
+                </a:cubicBezTo>
+                <a:close/>
+                <a:moveTo>
+                  <a:pt x="720000" y="1704253"/>
+                </a:moveTo>
+                <a:cubicBezTo>
+                  <a:pt x="680235" y="1704253"/>
+                  <a:pt x="648000" y="1736488"/>
+                  <a:pt x="648000" y="1776253"/>
+                </a:cubicBezTo>
+                <a:cubicBezTo>
+                  <a:pt x="648000" y="1816018"/>
+                  <a:pt x="680235" y="1848253"/>
+                  <a:pt x="720000" y="1848253"/>
+                </a:cubicBezTo>
+                <a:lnTo>
+                  <a:pt x="2520000" y="1848253"/>
+                </a:lnTo>
+                <a:cubicBezTo>
+                  <a:pt x="2559765" y="1848253"/>
+                  <a:pt x="2592000" y="1816018"/>
+                  <a:pt x="2592000" y="1776253"/>
+                </a:cubicBezTo>
+                <a:cubicBezTo>
+                  <a:pt x="2592000" y="1736488"/>
+                  <a:pt x="2559765" y="1704253"/>
+                  <a:pt x="2520000" y="1704253"/>
+                </a:cubicBezTo>
+                <a:close/>
+                <a:moveTo>
+                  <a:pt x="720000" y="1373013"/>
+                </a:moveTo>
+                <a:cubicBezTo>
+                  <a:pt x="680235" y="1373013"/>
+                  <a:pt x="648000" y="1405248"/>
+                  <a:pt x="648000" y="1445013"/>
+                </a:cubicBezTo>
+                <a:cubicBezTo>
+                  <a:pt x="648000" y="1484778"/>
+                  <a:pt x="680235" y="1517013"/>
+                  <a:pt x="720000" y="1517013"/>
+                </a:cubicBezTo>
+                <a:lnTo>
+                  <a:pt x="2520000" y="1517013"/>
+                </a:lnTo>
+                <a:cubicBezTo>
+                  <a:pt x="2559765" y="1517013"/>
+                  <a:pt x="2592000" y="1484778"/>
+                  <a:pt x="2592000" y="1445013"/>
+                </a:cubicBezTo>
+                <a:cubicBezTo>
+                  <a:pt x="2592000" y="1405248"/>
+                  <a:pt x="2559765" y="1373013"/>
+                  <a:pt x="2520000" y="1373013"/>
+                </a:cubicBezTo>
+                <a:close/>
+                <a:moveTo>
+                  <a:pt x="720000" y="1041773"/>
+                </a:moveTo>
+                <a:cubicBezTo>
+                  <a:pt x="680235" y="1041773"/>
+                  <a:pt x="648000" y="1074008"/>
+                  <a:pt x="648000" y="1113773"/>
+                </a:cubicBezTo>
+                <a:cubicBezTo>
+                  <a:pt x="648000" y="1153538"/>
+                  <a:pt x="680235" y="1185773"/>
+                  <a:pt x="720000" y="1185773"/>
+                </a:cubicBezTo>
+                <a:lnTo>
+                  <a:pt x="2520000" y="1185773"/>
+                </a:lnTo>
+                <a:cubicBezTo>
+                  <a:pt x="2559765" y="1185773"/>
+                  <a:pt x="2592000" y="1153538"/>
+                  <a:pt x="2592000" y="1113773"/>
+                </a:cubicBezTo>
+                <a:cubicBezTo>
+                  <a:pt x="2592000" y="1074008"/>
+                  <a:pt x="2559765" y="1041773"/>
+                  <a:pt x="2520000" y="1041773"/>
+                </a:cubicBezTo>
+                <a:close/>
+                <a:moveTo>
+                  <a:pt x="0" y="305988"/>
+                </a:moveTo>
+                <a:lnTo>
+                  <a:pt x="181957" y="305988"/>
+                </a:lnTo>
+                <a:lnTo>
+                  <a:pt x="181957" y="470032"/>
+                </a:lnTo>
+                <a:cubicBezTo>
+                  <a:pt x="181957" y="599267"/>
+                  <a:pt x="286722" y="704032"/>
+                  <a:pt x="415957" y="704032"/>
+                </a:cubicBezTo>
+                <a:cubicBezTo>
+                  <a:pt x="545192" y="704032"/>
+                  <a:pt x="649957" y="599267"/>
+                  <a:pt x="649957" y="470032"/>
+                </a:cubicBezTo>
+                <a:lnTo>
+                  <a:pt x="649957" y="305988"/>
+                </a:lnTo>
+                <a:lnTo>
+                  <a:pt x="802357" y="305988"/>
+                </a:lnTo>
+                <a:lnTo>
+                  <a:pt x="802357" y="470031"/>
+                </a:lnTo>
+                <a:cubicBezTo>
+                  <a:pt x="802357" y="599266"/>
+                  <a:pt x="907122" y="704031"/>
+                  <a:pt x="1036357" y="704031"/>
+                </a:cubicBezTo>
+                <a:cubicBezTo>
+                  <a:pt x="1165592" y="704031"/>
+                  <a:pt x="1270357" y="599266"/>
+                  <a:pt x="1270357" y="470031"/>
+                </a:cubicBezTo>
+                <a:lnTo>
+                  <a:pt x="1270357" y="305988"/>
+                </a:lnTo>
+                <a:lnTo>
+                  <a:pt x="1422757" y="305988"/>
+                </a:lnTo>
+                <a:lnTo>
+                  <a:pt x="1422757" y="470030"/>
+                </a:lnTo>
+                <a:cubicBezTo>
+                  <a:pt x="1422757" y="599265"/>
+                  <a:pt x="1527522" y="704030"/>
+                  <a:pt x="1656757" y="704030"/>
+                </a:cubicBezTo>
+                <a:cubicBezTo>
+                  <a:pt x="1785992" y="704030"/>
+                  <a:pt x="1890757" y="599265"/>
+                  <a:pt x="1890757" y="470030"/>
+                </a:cubicBezTo>
+                <a:lnTo>
+                  <a:pt x="1890757" y="305988"/>
+                </a:lnTo>
+                <a:lnTo>
+                  <a:pt x="2043157" y="305988"/>
+                </a:lnTo>
+                <a:lnTo>
+                  <a:pt x="2043157" y="470029"/>
+                </a:lnTo>
+                <a:cubicBezTo>
+                  <a:pt x="2043157" y="599264"/>
+                  <a:pt x="2147922" y="704029"/>
+                  <a:pt x="2277157" y="704029"/>
+                </a:cubicBezTo>
+                <a:cubicBezTo>
+                  <a:pt x="2406392" y="704029"/>
+                  <a:pt x="2511157" y="599264"/>
+                  <a:pt x="2511157" y="470029"/>
+                </a:cubicBezTo>
+                <a:lnTo>
+                  <a:pt x="2511157" y="305988"/>
+                </a:lnTo>
+                <a:lnTo>
+                  <a:pt x="2663557" y="305988"/>
+                </a:lnTo>
+                <a:lnTo>
+                  <a:pt x="2663557" y="470028"/>
+                </a:lnTo>
+                <a:cubicBezTo>
+                  <a:pt x="2663557" y="599263"/>
+                  <a:pt x="2768322" y="704028"/>
+                  <a:pt x="2897557" y="704028"/>
+                </a:cubicBezTo>
+                <a:cubicBezTo>
+                  <a:pt x="3026792" y="704028"/>
+                  <a:pt x="3131557" y="599263"/>
+                  <a:pt x="3131557" y="470028"/>
+                </a:cubicBezTo>
+                <a:lnTo>
+                  <a:pt x="3131557" y="305988"/>
+                </a:lnTo>
+                <a:lnTo>
+                  <a:pt x="3240000" y="305988"/>
+                </a:lnTo>
+                <a:lnTo>
+                  <a:pt x="3240000" y="3230531"/>
+                </a:lnTo>
+                <a:lnTo>
+                  <a:pt x="0" y="3230531"/>
+                </a:lnTo>
+                <a:close/>
+                <a:moveTo>
+                  <a:pt x="415957" y="4"/>
+                </a:moveTo>
+                <a:cubicBezTo>
+                  <a:pt x="485545" y="4"/>
+                  <a:pt x="541957" y="56416"/>
+                  <a:pt x="541957" y="126004"/>
+                </a:cubicBezTo>
+                <a:lnTo>
+                  <a:pt x="541957" y="485972"/>
+                </a:lnTo>
+                <a:cubicBezTo>
+                  <a:pt x="541957" y="555560"/>
+                  <a:pt x="485545" y="611972"/>
+                  <a:pt x="415957" y="611972"/>
+                </a:cubicBezTo>
+                <a:cubicBezTo>
+                  <a:pt x="346369" y="611972"/>
+                  <a:pt x="289957" y="555560"/>
+                  <a:pt x="289957" y="485972"/>
+                </a:cubicBezTo>
+                <a:lnTo>
+                  <a:pt x="289957" y="126004"/>
+                </a:lnTo>
+                <a:cubicBezTo>
+                  <a:pt x="289957" y="56416"/>
+                  <a:pt x="346369" y="4"/>
+                  <a:pt x="415957" y="4"/>
+                </a:cubicBezTo>
+                <a:close/>
+                <a:moveTo>
+                  <a:pt x="1036357" y="3"/>
+                </a:moveTo>
+                <a:cubicBezTo>
+                  <a:pt x="1105945" y="3"/>
+                  <a:pt x="1162357" y="56415"/>
+                  <a:pt x="1162357" y="126003"/>
+                </a:cubicBezTo>
+                <a:lnTo>
+                  <a:pt x="1162357" y="485971"/>
+                </a:lnTo>
+                <a:cubicBezTo>
+                  <a:pt x="1162357" y="555559"/>
+                  <a:pt x="1105945" y="611971"/>
+                  <a:pt x="1036357" y="611971"/>
+                </a:cubicBezTo>
+                <a:cubicBezTo>
+                  <a:pt x="966769" y="611971"/>
+                  <a:pt x="910357" y="555559"/>
+                  <a:pt x="910357" y="485971"/>
+                </a:cubicBezTo>
+                <a:lnTo>
+                  <a:pt x="910357" y="126003"/>
+                </a:lnTo>
+                <a:cubicBezTo>
+                  <a:pt x="910357" y="56415"/>
+                  <a:pt x="966769" y="3"/>
+                  <a:pt x="1036357" y="3"/>
+                </a:cubicBezTo>
+                <a:close/>
+                <a:moveTo>
+                  <a:pt x="1656757" y="2"/>
+                </a:moveTo>
+                <a:cubicBezTo>
+                  <a:pt x="1726345" y="2"/>
+                  <a:pt x="1782757" y="56414"/>
+                  <a:pt x="1782757" y="126002"/>
+                </a:cubicBezTo>
+                <a:lnTo>
+                  <a:pt x="1782757" y="485970"/>
+                </a:lnTo>
+                <a:cubicBezTo>
+                  <a:pt x="1782757" y="555558"/>
+                  <a:pt x="1726345" y="611970"/>
+                  <a:pt x="1656757" y="611970"/>
+                </a:cubicBezTo>
+                <a:cubicBezTo>
+                  <a:pt x="1587169" y="611970"/>
+                  <a:pt x="1530757" y="555558"/>
+                  <a:pt x="1530757" y="485970"/>
+                </a:cubicBezTo>
+                <a:lnTo>
+                  <a:pt x="1530757" y="126002"/>
+                </a:lnTo>
+                <a:cubicBezTo>
+                  <a:pt x="1530757" y="56414"/>
+                  <a:pt x="1587169" y="2"/>
+                  <a:pt x="1656757" y="2"/>
+                </a:cubicBezTo>
+                <a:close/>
+                <a:moveTo>
+                  <a:pt x="2277157" y="1"/>
+                </a:moveTo>
+                <a:cubicBezTo>
+                  <a:pt x="2346745" y="1"/>
+                  <a:pt x="2403157" y="56413"/>
+                  <a:pt x="2403157" y="126001"/>
+                </a:cubicBezTo>
+                <a:lnTo>
+                  <a:pt x="2403157" y="485969"/>
+                </a:lnTo>
+                <a:cubicBezTo>
+                  <a:pt x="2403157" y="555557"/>
+                  <a:pt x="2346745" y="611969"/>
+                  <a:pt x="2277157" y="611969"/>
+                </a:cubicBezTo>
+                <a:cubicBezTo>
+                  <a:pt x="2207569" y="611969"/>
+                  <a:pt x="2151157" y="555557"/>
+                  <a:pt x="2151157" y="485969"/>
+                </a:cubicBezTo>
+                <a:lnTo>
+                  <a:pt x="2151157" y="126001"/>
+                </a:lnTo>
+                <a:cubicBezTo>
+                  <a:pt x="2151157" y="56413"/>
+                  <a:pt x="2207569" y="1"/>
+                  <a:pt x="2277157" y="1"/>
+                </a:cubicBezTo>
+                <a:close/>
+                <a:moveTo>
+                  <a:pt x="2897557" y="0"/>
+                </a:moveTo>
+                <a:cubicBezTo>
+                  <a:pt x="2967145" y="0"/>
+                  <a:pt x="3023557" y="56412"/>
+                  <a:pt x="3023557" y="126000"/>
+                </a:cubicBezTo>
+                <a:lnTo>
+                  <a:pt x="3023557" y="485968"/>
+                </a:lnTo>
+                <a:cubicBezTo>
+                  <a:pt x="3023557" y="555556"/>
+                  <a:pt x="2967145" y="611968"/>
+                  <a:pt x="2897557" y="611968"/>
+                </a:cubicBezTo>
+                <a:cubicBezTo>
+                  <a:pt x="2827969" y="611968"/>
+                  <a:pt x="2771557" y="555556"/>
+                  <a:pt x="2771557" y="485968"/>
+                </a:cubicBezTo>
+                <a:lnTo>
+                  <a:pt x="2771557" y="126000"/>
+                </a:lnTo>
+                <a:cubicBezTo>
+                  <a:pt x="2771557" y="56412"/>
+                  <a:pt x="2827969" y="0"/>
+                  <a:pt x="2897557" y="0"/>
+                </a:cubicBezTo>
+                <a:close/>
+              </a:path>
+            </a:pathLst>
+          </a:custGeom>
+          <a:solidFill>
+            <a:schemeClr val="accent3"/>
+          </a:solidFill>
+          <a:ln>
+            <a:noFill/>
+          </a:ln>
+        </p:spPr>
+        <p:style>
+          <a:lnRef idx="2">
+            <a:schemeClr val="accent1">
+              <a:shade val="50000"/>
+            </a:schemeClr>
+          </a:lnRef>
+          <a:fillRef idx="1">
+            <a:schemeClr val="accent1"/>
+          </a:fillRef>
+          <a:effectRef idx="0">
+            <a:schemeClr val="accent1"/>
+          </a:effectRef>
+          <a:fontRef idx="minor">
+            <a:schemeClr val="lt1"/>
+          </a:fontRef>
+        </p:style>
+        <p:txBody>
+          <a:bodyPr rot="0" spcFirstLastPara="0" vert="horz" wrap="square" lIns="91440" tIns="45720" rIns="91440" bIns="45720" numCol="1" spcCol="0" rtlCol="0" fromWordArt="0" anchor="ctr" anchorCtr="0" forceAA="0" compatLnSpc="1">
+            <a:prstTxWarp prst="textNoShape">
+              <a:avLst/>
+            </a:prstTxWarp>
+            <a:noAutofit/>
+          </a:bodyPr>
+          <a:lstStyle>
+            <a:defPPr>
+              <a:defRPr lang="ko-KR"/>
+            </a:defPPr>
+            <a:lvl1pPr marL="0" algn="l" defTabSz="914400" rtl="0" eaLnBrk="1" latinLnBrk="1" hangingPunct="1">
+              <a:defRPr sz="1800" kern="1200">
+                <a:solidFill>
+                  <a:schemeClr val="lt1"/>
+                </a:solidFill>
+                <a:latin typeface="+mn-lt"/>
+                <a:ea typeface="+mn-ea"/>
+                <a:cs typeface="+mn-cs"/>
+              </a:defRPr>
+            </a:lvl1pPr>
+            <a:lvl2pPr marL="457200" algn="l" defTabSz="914400" rtl="0" eaLnBrk="1" latinLnBrk="1" hangingPunct="1">
+              <a:defRPr sz="1800" kern="1200">
+                <a:solidFill>
+                  <a:schemeClr val="lt1"/>
+                </a:solidFill>
+                <a:latin typeface="+mn-lt"/>
+                <a:ea typeface="+mn-ea"/>
+                <a:cs typeface="+mn-cs"/>
+              </a:defRPr>
+            </a:lvl2pPr>
+            <a:lvl3pPr marL="914400" algn="l" defTabSz="914400" rtl="0" eaLnBrk="1" latinLnBrk="1" hangingPunct="1">
+              <a:defRPr sz="1800" kern="1200">
+                <a:solidFill>
+                  <a:schemeClr val="lt1"/>
+                </a:solidFill>
+                <a:latin typeface="+mn-lt"/>
+                <a:ea typeface="+mn-ea"/>
+                <a:cs typeface="+mn-cs"/>
+              </a:defRPr>
+            </a:lvl3pPr>
+            <a:lvl4pPr marL="1371600" algn="l" defTabSz="914400" rtl="0" eaLnBrk="1" latinLnBrk="1" hangingPunct="1">
+              <a:defRPr sz="1800" kern="1200">
+                <a:solidFill>
+                  <a:schemeClr val="lt1"/>
+                </a:solidFill>
+                <a:latin typeface="+mn-lt"/>
+                <a:ea typeface="+mn-ea"/>
+                <a:cs typeface="+mn-cs"/>
+              </a:defRPr>
+            </a:lvl4pPr>
+            <a:lvl5pPr marL="1828800" algn="l" defTabSz="914400" rtl="0" eaLnBrk="1" latinLnBrk="1" hangingPunct="1">
+              <a:defRPr sz="1800" kern="1200">
+                <a:solidFill>
+                  <a:schemeClr val="lt1"/>
+                </a:solidFill>
+                <a:latin typeface="+mn-lt"/>
+                <a:ea typeface="+mn-ea"/>
+                <a:cs typeface="+mn-cs"/>
+              </a:defRPr>
+            </a:lvl5pPr>
+            <a:lvl6pPr marL="2286000" algn="l" defTabSz="914400" rtl="0" eaLnBrk="1" latinLnBrk="1" hangingPunct="1">
+              <a:defRPr sz="1800" kern="1200">
+                <a:solidFill>
+                  <a:schemeClr val="lt1"/>
+                </a:solidFill>
+                <a:latin typeface="+mn-lt"/>
+                <a:ea typeface="+mn-ea"/>
+                <a:cs typeface="+mn-cs"/>
+              </a:defRPr>
+            </a:lvl6pPr>
+            <a:lvl7pPr marL="2743200" algn="l" defTabSz="914400" rtl="0" eaLnBrk="1" latinLnBrk="1" hangingPunct="1">
+              <a:defRPr sz="1800" kern="1200">
+                <a:solidFill>
+                  <a:schemeClr val="lt1"/>
+                </a:solidFill>
+                <a:latin typeface="+mn-lt"/>
+                <a:ea typeface="+mn-ea"/>
+                <a:cs typeface="+mn-cs"/>
+              </a:defRPr>
+            </a:lvl7pPr>
+            <a:lvl8pPr marL="3200400" algn="l" defTabSz="914400" rtl="0" eaLnBrk="1" latinLnBrk="1" hangingPunct="1">
+              <a:defRPr sz="1800" kern="1200">
+                <a:solidFill>
+                  <a:schemeClr val="lt1"/>
+                </a:solidFill>
+                <a:latin typeface="+mn-lt"/>
+                <a:ea typeface="+mn-ea"/>
+                <a:cs typeface="+mn-cs"/>
+              </a:defRPr>
+            </a:lvl8pPr>
+            <a:lvl9pPr marL="3657600" algn="l" defTabSz="914400" rtl="0" eaLnBrk="1" latinLnBrk="1" hangingPunct="1">
+              <a:defRPr sz="1800" kern="1200">
+                <a:solidFill>
+                  <a:schemeClr val="lt1"/>
+                </a:solidFill>
+                <a:latin typeface="+mn-lt"/>
+                <a:ea typeface="+mn-ea"/>
+                <a:cs typeface="+mn-cs"/>
+              </a:defRPr>
+            </a:lvl9pPr>
+          </a:lstStyle>
+          <a:p>
+            <a:pPr algn="ctr"/>
+            <a:endParaRPr lang="ko-KR" altLang="en-US" dirty="0"/>
           </a:p>
         </p:txBody>
       </p:sp>
@@ -5668,12 +5915,6 @@
               </a:rPr>
               <a:t>Present the calendar right</a:t>
             </a:r>
-            <a:endParaRPr lang="en-US" altLang="ko-KR" dirty="0" smtClean="0">
-              <a:solidFill>
-                <a:srgbClr val="404040"/>
-              </a:solidFill>
-              <a:cs typeface="Arial" pitchFamily="34" charset="0"/>
-            </a:endParaRPr>
           </a:p>
           <a:p>
             <a:pPr marL="342900" indent="-342900">

--- a/midterm.pptx
+++ b/midterm.pptx
@@ -5,7 +5,7 @@
     <p:sldMasterId id="2147483654" r:id="rId1"/>
   </p:sldMasterIdLst>
   <p:handoutMasterIdLst>
-    <p:handoutMasterId r:id="rId17"/>
+    <p:handoutMasterId r:id="rId18"/>
   </p:handoutMasterIdLst>
   <p:sldIdLst>
     <p:sldId id="299" r:id="rId2"/>
@@ -21,8 +21,9 @@
     <p:sldId id="301" r:id="rId12"/>
     <p:sldId id="308" r:id="rId13"/>
     <p:sldId id="307" r:id="rId14"/>
-    <p:sldId id="309" r:id="rId15"/>
-    <p:sldId id="261" r:id="rId16"/>
+    <p:sldId id="310" r:id="rId15"/>
+    <p:sldId id="309" r:id="rId16"/>
+    <p:sldId id="261" r:id="rId17"/>
   </p:sldIdLst>
   <p:sldSz cx="9144000" cy="5143500" type="screen16x9"/>
   <p:notesSz cx="6858000" cy="9144000"/>
@@ -236,7 +237,7 @@
           <a:p>
             <a:fld id="{69452B2B-0BBC-4845-BD5C-6186374697E3}" type="datetimeFigureOut">
               <a:rPr lang="ko-KR" altLang="en-US" smtClean="0"/>
-              <a:t>2018-05-07</a:t>
+              <a:t>2018-05-08</a:t>
             </a:fld>
             <a:endParaRPr lang="ko-KR" altLang="en-US" dirty="0"/>
           </a:p>
@@ -1983,7 +1984,6 @@
                 <a:solidFill>
                   <a:schemeClr val="accent5"/>
                 </a:solidFill>
-                <a:latin typeface="Times New Roman" panose="02020603050405020304" pitchFamily="18" charset="0"/>
                 <a:ea typeface="標楷體" panose="03000509000000000000" pitchFamily="65" charset="-120"/>
                 <a:cs typeface="Times New Roman" panose="02020603050405020304" pitchFamily="18" charset="0"/>
               </a:rPr>
@@ -1994,13 +1994,11 @@
                 <a:solidFill>
                   <a:schemeClr val="accent5"/>
                 </a:solidFill>
-                <a:latin typeface="Times New Roman" panose="02020603050405020304" pitchFamily="18" charset="0"/>
                 <a:cs typeface="Times New Roman" panose="02020603050405020304" pitchFamily="18" charset="0"/>
               </a:rPr>
               <a:t> To Be Tested</a:t>
             </a:r>
             <a:endParaRPr lang="ko-KR" altLang="en-US" dirty="0">
-              <a:latin typeface="Times New Roman" panose="02020603050405020304" pitchFamily="18" charset="0"/>
               <a:cs typeface="Times New Roman" panose="02020603050405020304" pitchFamily="18" charset="0"/>
             </a:endParaRPr>
           </a:p>
@@ -2028,7 +2026,7 @@
         </p:blipFill>
         <p:spPr>
           <a:xfrm>
-            <a:off x="3557438" y="1131590"/>
+            <a:off x="3491880" y="1131590"/>
             <a:ext cx="1721250" cy="3060000"/>
           </a:xfrm>
           <a:prstGeom prst="rect">
@@ -2058,7 +2056,7 @@
         </p:blipFill>
         <p:spPr>
           <a:xfrm>
-            <a:off x="683568" y="1131590"/>
+            <a:off x="971600" y="1131590"/>
             <a:ext cx="1721250" cy="3060000"/>
           </a:xfrm>
           <a:prstGeom prst="rect">
@@ -2196,7 +2194,6 @@
                 <a:solidFill>
                   <a:schemeClr val="accent5"/>
                 </a:solidFill>
-                <a:latin typeface="Times New Roman" panose="02020603050405020304" pitchFamily="18" charset="0"/>
                 <a:ea typeface="標楷體" panose="03000509000000000000" pitchFamily="65" charset="-120"/>
                 <a:cs typeface="Times New Roman" panose="02020603050405020304" pitchFamily="18" charset="0"/>
               </a:rPr>
@@ -2207,13 +2204,11 @@
                 <a:solidFill>
                   <a:schemeClr val="accent5"/>
                 </a:solidFill>
-                <a:latin typeface="Times New Roman" panose="02020603050405020304" pitchFamily="18" charset="0"/>
                 <a:cs typeface="Times New Roman" panose="02020603050405020304" pitchFamily="18" charset="0"/>
               </a:rPr>
               <a:t> To Be Tested</a:t>
             </a:r>
             <a:endParaRPr lang="ko-KR" altLang="en-US" dirty="0">
-              <a:latin typeface="Times New Roman" panose="02020603050405020304" pitchFamily="18" charset="0"/>
               <a:cs typeface="Times New Roman" panose="02020603050405020304" pitchFamily="18" charset="0"/>
             </a:endParaRPr>
           </a:p>
@@ -2241,7 +2236,7 @@
         </p:blipFill>
         <p:spPr>
           <a:xfrm>
-            <a:off x="1619672" y="1059582"/>
+            <a:off x="1619672" y="1095926"/>
             <a:ext cx="1721250" cy="3060000"/>
           </a:xfrm>
           <a:prstGeom prst="rect">
@@ -2385,7 +2380,6 @@
                 <a:solidFill>
                   <a:schemeClr val="accent5"/>
                 </a:solidFill>
-                <a:latin typeface="Times New Roman" panose="02020603050405020304" pitchFamily="18" charset="0"/>
                 <a:ea typeface="標楷體" panose="03000509000000000000" pitchFamily="65" charset="-120"/>
                 <a:cs typeface="Times New Roman" panose="02020603050405020304" pitchFamily="18" charset="0"/>
               </a:rPr>
@@ -2396,13 +2390,11 @@
                 <a:solidFill>
                   <a:schemeClr val="accent5"/>
                 </a:solidFill>
-                <a:latin typeface="Times New Roman" panose="02020603050405020304" pitchFamily="18" charset="0"/>
                 <a:cs typeface="Times New Roman" panose="02020603050405020304" pitchFamily="18" charset="0"/>
               </a:rPr>
               <a:t> To Be Tested</a:t>
             </a:r>
             <a:endParaRPr lang="ko-KR" altLang="en-US" dirty="0">
-              <a:latin typeface="Times New Roman" panose="02020603050405020304" pitchFamily="18" charset="0"/>
               <a:cs typeface="Times New Roman" panose="02020603050405020304" pitchFamily="18" charset="0"/>
             </a:endParaRPr>
           </a:p>
@@ -2508,7 +2500,7 @@
         </p:blipFill>
         <p:spPr>
           <a:xfrm>
-            <a:off x="1547664" y="987574"/>
+            <a:off x="1626614" y="1095926"/>
             <a:ext cx="1721250" cy="3060000"/>
           </a:xfrm>
           <a:prstGeom prst="rect">
@@ -2597,7 +2589,6 @@
                 <a:solidFill>
                   <a:schemeClr val="accent5"/>
                 </a:solidFill>
-                <a:latin typeface="Times New Roman" panose="02020603050405020304" pitchFamily="18" charset="0"/>
                 <a:ea typeface="標楷體" panose="03000509000000000000" pitchFamily="65" charset="-120"/>
                 <a:cs typeface="Times New Roman" panose="02020603050405020304" pitchFamily="18" charset="0"/>
               </a:rPr>
@@ -2608,13 +2599,11 @@
                 <a:solidFill>
                   <a:schemeClr val="accent5"/>
                 </a:solidFill>
-                <a:latin typeface="Times New Roman" panose="02020603050405020304" pitchFamily="18" charset="0"/>
                 <a:cs typeface="Times New Roman" panose="02020603050405020304" pitchFamily="18" charset="0"/>
               </a:rPr>
               <a:t> Not To Be Tested</a:t>
             </a:r>
             <a:endParaRPr lang="ko-KR" altLang="en-US" dirty="0">
-              <a:latin typeface="Times New Roman" panose="02020603050405020304" pitchFamily="18" charset="0"/>
               <a:cs typeface="Times New Roman" panose="02020603050405020304" pitchFamily="18" charset="0"/>
             </a:endParaRPr>
           </a:p>
@@ -2629,14 +2618,14 @@
           <p:nvPr>
             <p:extLst>
               <p:ext uri="{D42A27DB-BD31-4B8C-83A1-F6EECF244321}">
-                <p14:modId xmlns:p14="http://schemas.microsoft.com/office/powerpoint/2010/main" val="1213423278"/>
+                <p14:modId xmlns:p14="http://schemas.microsoft.com/office/powerpoint/2010/main" val="713843100"/>
               </p:ext>
             </p:extLst>
           </p:nvPr>
         </p:nvGraphicFramePr>
         <p:xfrm>
-          <a:off x="1524000" y="1491630"/>
-          <a:ext cx="6096000" cy="1854200"/>
+          <a:off x="1524000" y="1707654"/>
+          <a:ext cx="6096000" cy="1483360"/>
         </p:xfrm>
         <a:graphic>
           <a:graphicData uri="http://schemas.openxmlformats.org/drawingml/2006/table">
@@ -2824,45 +2813,6 @@
                   </a:ext>
                 </a:extLst>
               </a:tr>
-              <a:tr h="370840">
-                <a:tc>
-                  <a:txBody>
-                    <a:bodyPr/>
-                    <a:lstStyle/>
-                    <a:p>
-                      <a:r>
-                        <a:rPr lang="en-US" altLang="zh-TW" dirty="0" smtClean="0"/>
-                        <a:t>Record the video</a:t>
-                      </a:r>
-                      <a:endParaRPr lang="zh-TW" altLang="en-US" dirty="0"/>
-                    </a:p>
-                  </a:txBody>
-                  <a:tcPr/>
-                </a:tc>
-                <a:tc>
-                  <a:txBody>
-                    <a:bodyPr/>
-                    <a:lstStyle/>
-                    <a:p>
-                      <a:r>
-                        <a:rPr lang="en-US" altLang="zh-TW" dirty="0" smtClean="0"/>
-                        <a:t>Not</a:t>
-                      </a:r>
-                      <a:r>
-                        <a:rPr lang="en-US" altLang="zh-TW" baseline="0" dirty="0" smtClean="0"/>
-                        <a:t> sure to test</a:t>
-                      </a:r>
-                      <a:endParaRPr lang="zh-TW" altLang="en-US" dirty="0"/>
-                    </a:p>
-                  </a:txBody>
-                  <a:tcPr/>
-                </a:tc>
-                <a:extLst>
-                  <a:ext uri="{0D108BD9-81ED-4DB2-BD59-A6C34878D82A}">
-                    <a16:rowId xmlns:a16="http://schemas.microsoft.com/office/drawing/2014/main" val="3188661669"/>
-                  </a:ext>
-                </a:extLst>
-              </a:tr>
             </a:tbl>
           </a:graphicData>
         </a:graphic>
@@ -2920,10 +2870,116 @@
           <a:lstStyle/>
           <a:p>
             <a:r>
+              <a:rPr lang="en-US" altLang="zh-TW" dirty="0" smtClean="0">
+                <a:solidFill>
+                  <a:srgbClr val="1C7DE1"/>
+                </a:solidFill>
+              </a:rPr>
+              <a:t>Test Graph</a:t>
+            </a:r>
+            <a:r>
               <a:rPr lang="en-US" altLang="zh-TW" dirty="0" smtClean="0"/>
+              <a:t> Example</a:t>
+            </a:r>
+            <a:endParaRPr lang="zh-TW" altLang="en-US" dirty="0"/>
+          </a:p>
+        </p:txBody>
+      </p:sp>
+      <p:pic>
+        <p:nvPicPr>
+          <p:cNvPr id="3" name="圖片 2"/>
+          <p:cNvPicPr>
+            <a:picLocks noChangeAspect="1"/>
+          </p:cNvPicPr>
+          <p:nvPr/>
+        </p:nvPicPr>
+        <p:blipFill>
+          <a:blip r:embed="rId2">
+            <a:extLst>
+              <a:ext uri="{28A0092B-C50C-407E-A947-70E740481C1C}">
+                <a14:useLocalDpi xmlns:a14="http://schemas.microsoft.com/office/drawing/2010/main" val="0"/>
+              </a:ext>
+            </a:extLst>
+          </a:blip>
+          <a:stretch>
+            <a:fillRect/>
+          </a:stretch>
+        </p:blipFill>
+        <p:spPr>
+          <a:xfrm>
+            <a:off x="395536" y="884466"/>
+            <a:ext cx="8064000" cy="3626342"/>
+          </a:xfrm>
+          <a:prstGeom prst="rect">
+            <a:avLst/>
+          </a:prstGeom>
+        </p:spPr>
+      </p:pic>
+    </p:spTree>
+    <p:extLst>
+      <p:ext uri="{BB962C8B-B14F-4D97-AF65-F5344CB8AC3E}">
+        <p14:creationId xmlns:p14="http://schemas.microsoft.com/office/powerpoint/2010/main" val="1047373172"/>
+      </p:ext>
+    </p:extLst>
+  </p:cSld>
+  <p:clrMapOvr>
+    <a:masterClrMapping/>
+  </p:clrMapOvr>
+  <p:timing>
+    <p:tnLst>
+      <p:par>
+        <p:cTn id="1" dur="indefinite" restart="never" nodeType="tmRoot"/>
+      </p:par>
+    </p:tnLst>
+  </p:timing>
+</p:sld>
+</file>
+
+<file path=ppt/slides/slide15.xml><?xml version="1.0" encoding="utf-8"?>
+<p:sld xmlns:a="http://schemas.openxmlformats.org/drawingml/2006/main" xmlns:r="http://schemas.openxmlformats.org/officeDocument/2006/relationships" xmlns:p="http://schemas.openxmlformats.org/presentationml/2006/main">
+  <p:cSld>
+    <p:spTree>
+      <p:nvGrpSpPr>
+        <p:cNvPr id="1" name=""/>
+        <p:cNvGrpSpPr/>
+        <p:nvPr/>
+      </p:nvGrpSpPr>
+      <p:grpSpPr>
+        <a:xfrm>
+          <a:off x="0" y="0"/>
+          <a:ext cx="0" cy="0"/>
+          <a:chOff x="0" y="0"/>
+          <a:chExt cx="0" cy="0"/>
+        </a:xfrm>
+      </p:grpSpPr>
+      <p:sp>
+        <p:nvSpPr>
+          <p:cNvPr id="2" name="標題 1"/>
+          <p:cNvSpPr>
+            <a:spLocks noGrp="1"/>
+          </p:cNvSpPr>
+          <p:nvPr>
+            <p:ph type="title"/>
+          </p:nvPr>
+        </p:nvSpPr>
+        <p:spPr/>
+        <p:txBody>
+          <a:bodyPr/>
+          <a:lstStyle/>
+          <a:p>
+            <a:r>
+              <a:rPr lang="en-US" altLang="zh-TW" dirty="0" smtClean="0">
+                <a:solidFill>
+                  <a:srgbClr val="1C7DE1"/>
+                </a:solidFill>
+              </a:rPr>
               <a:t>Test Tool</a:t>
             </a:r>
-            <a:endParaRPr lang="zh-TW" altLang="en-US" dirty="0"/>
+            <a:endParaRPr lang="zh-TW" altLang="en-US" dirty="0">
+              <a:solidFill>
+                <a:srgbClr val="1C7DE1"/>
+              </a:solidFill>
+            </a:endParaRPr>
           </a:p>
         </p:txBody>
       </p:sp>
@@ -3037,7 +3093,7 @@
 </p:sld>
 </file>
 
-<file path=ppt/slides/slide15.xml><?xml version="1.0" encoding="utf-8"?>
+<file path=ppt/slides/slide16.xml><?xml version="1.0" encoding="utf-8"?>
 <p:sld xmlns:a="http://schemas.openxmlformats.org/drawingml/2006/main" xmlns:r="http://schemas.openxmlformats.org/officeDocument/2006/relationships" xmlns:p="http://schemas.openxmlformats.org/presentationml/2006/main">
   <p:cSld>
     <p:spTree>
@@ -3094,7 +3150,7 @@
           </a:lstStyle>
           <a:p>
             <a:r>
-              <a:rPr lang="en-US" altLang="ko-KR" dirty="0">
+              <a:rPr lang="en-US" altLang="ko-KR" sz="4800" dirty="0">
                 <a:solidFill>
                   <a:schemeClr val="accent5"/>
                 </a:solidFill>
@@ -3102,7 +3158,7 @@
               </a:rPr>
               <a:t>Thank you</a:t>
             </a:r>
-            <a:endParaRPr lang="ko-KR" altLang="en-US" dirty="0">
+            <a:endParaRPr lang="ko-KR" altLang="en-US" sz="4800" dirty="0">
               <a:solidFill>
                 <a:schemeClr val="accent5"/>
               </a:solidFill>
@@ -3658,8 +3714,8 @@
         </p:nvSpPr>
         <p:spPr>
           <a:xfrm>
-            <a:off x="4661379" y="1123058"/>
-            <a:ext cx="2519832" cy="830997"/>
+            <a:off x="4729807" y="1155821"/>
+            <a:ext cx="741849" cy="830997"/>
           </a:xfrm>
           <a:prstGeom prst="rect">
             <a:avLst/>
@@ -3679,7 +3735,27 @@
                 </a:solidFill>
                 <a:cs typeface="Arial" pitchFamily="34" charset="0"/>
               </a:rPr>
-              <a:t>Create topic</a:t>
+              <a:t>Create</a:t>
+            </a:r>
+          </a:p>
+          <a:p>
+            <a:r>
+              <a:rPr lang="en-US" altLang="ko-KR" sz="1200" dirty="0" smtClean="0">
+                <a:solidFill>
+                  <a:srgbClr val="404040"/>
+                </a:solidFill>
+                <a:cs typeface="Arial" pitchFamily="34" charset="0"/>
+              </a:rPr>
+              <a:t>Read</a:t>
+            </a:r>
+            <a:r>
+              <a:rPr lang="en-US" altLang="ko-KR" sz="1200" dirty="0" smtClean="0">
+                <a:solidFill>
+                  <a:srgbClr val="404040"/>
+                </a:solidFill>
+                <a:cs typeface="Arial" pitchFamily="34" charset="0"/>
+              </a:rPr>
+              <a:t/>
             </a:r>
             <a:br>
               <a:rPr lang="en-US" altLang="ko-KR" sz="1200" dirty="0" smtClean="0">
@@ -3696,36 +3772,31 @@
                 </a:solidFill>
                 <a:cs typeface="Arial" pitchFamily="34" charset="0"/>
               </a:rPr>
-              <a:t>Read topic</a:t>
-            </a:r>
-            <a:br>
+              <a:t>Update</a:t>
+            </a:r>
+            <a:endParaRPr lang="en-US" altLang="ko-KR" sz="1200" dirty="0" smtClean="0">
+              <a:solidFill>
+                <a:srgbClr val="404040"/>
+              </a:solidFill>
+              <a:cs typeface="Arial" pitchFamily="34" charset="0"/>
+            </a:endParaRPr>
+          </a:p>
+          <a:p>
+            <a:r>
               <a:rPr lang="en-US" altLang="ko-KR" sz="1200" dirty="0" smtClean="0">
                 <a:solidFill>
                   <a:srgbClr val="404040"/>
                 </a:solidFill>
                 <a:cs typeface="Arial" pitchFamily="34" charset="0"/>
               </a:rPr>
-            </a:br>
-            <a:r>
-              <a:rPr lang="en-US" altLang="ko-KR" sz="1200" dirty="0" smtClean="0">
-                <a:solidFill>
-                  <a:srgbClr val="404040"/>
-                </a:solidFill>
-                <a:cs typeface="Arial" pitchFamily="34" charset="0"/>
-              </a:rPr>
-              <a:t>Update topic</a:t>
-            </a:r>
-          </a:p>
-          <a:p>
-            <a:r>
-              <a:rPr lang="en-US" altLang="ko-KR" sz="1200" dirty="0" smtClean="0">
-                <a:solidFill>
-                  <a:srgbClr val="404040"/>
-                </a:solidFill>
-                <a:cs typeface="Arial" pitchFamily="34" charset="0"/>
-              </a:rPr>
-              <a:t>Delete topic</a:t>
-            </a:r>
+              <a:t>Delete</a:t>
+            </a:r>
+            <a:endParaRPr lang="en-US" altLang="ko-KR" sz="1200" dirty="0" smtClean="0">
+              <a:solidFill>
+                <a:srgbClr val="404040"/>
+              </a:solidFill>
+              <a:cs typeface="Arial" pitchFamily="34" charset="0"/>
+            </a:endParaRPr>
           </a:p>
         </p:txBody>
       </p:sp>
@@ -3767,8 +3838,8 @@
         </p:nvSpPr>
         <p:spPr>
           <a:xfrm>
-            <a:off x="6012160" y="1400056"/>
-            <a:ext cx="2476768" cy="276999"/>
+            <a:off x="5913919" y="1432818"/>
+            <a:ext cx="2581541" cy="276999"/>
           </a:xfrm>
           <a:prstGeom prst="rect">
             <a:avLst/>
@@ -3787,7 +3858,31 @@
                   <a:srgbClr val="404040"/>
                 </a:solidFill>
               </a:rPr>
-              <a:t>CRUD Diary, Memo and Contacts</a:t>
+              <a:t>Topic ( </a:t>
+            </a:r>
+            <a:r>
+              <a:rPr lang="en-US" altLang="zh-TW" sz="1200" dirty="0" smtClean="0">
+                <a:solidFill>
+                  <a:srgbClr val="404040"/>
+                </a:solidFill>
+              </a:rPr>
+              <a:t>Diary</a:t>
+            </a:r>
+            <a:r>
+              <a:rPr lang="en-US" altLang="zh-TW" sz="1200" dirty="0" smtClean="0">
+                <a:solidFill>
+                  <a:srgbClr val="404040"/>
+                </a:solidFill>
+              </a:rPr>
+              <a:t>, Memo and </a:t>
+            </a:r>
+            <a:r>
+              <a:rPr lang="en-US" altLang="zh-TW" sz="1200" dirty="0" smtClean="0">
+                <a:solidFill>
+                  <a:srgbClr val="404040"/>
+                </a:solidFill>
+              </a:rPr>
+              <a:t>Contacts )</a:t>
             </a:r>
             <a:endParaRPr lang="zh-TW" altLang="en-US" sz="1200" dirty="0">
               <a:solidFill>
@@ -4015,8 +4110,8 @@
         </p:nvSpPr>
         <p:spPr>
           <a:xfrm>
-            <a:off x="5403228" y="3780978"/>
-            <a:ext cx="1678665" cy="276999"/>
+            <a:off x="5437835" y="3780975"/>
+            <a:ext cx="1617043" cy="276999"/>
           </a:xfrm>
           <a:prstGeom prst="rect">
             <a:avLst/>
@@ -4024,7 +4119,7 @@
           <a:noFill/>
         </p:spPr>
         <p:txBody>
-          <a:bodyPr wrap="none" rtlCol="0">
+          <a:bodyPr wrap="square" rtlCol="0">
             <a:spAutoFit/>
           </a:bodyPr>
           <a:lstStyle/>
@@ -4113,7 +4208,7 @@
         </p:nvSpPr>
         <p:spPr>
           <a:xfrm>
-            <a:off x="2086889" y="1213058"/>
+            <a:off x="2131562" y="1243865"/>
             <a:ext cx="722110" cy="720000"/>
           </a:xfrm>
           <a:custGeom>
@@ -4675,6 +4770,50 @@
           <a:p>
             <a:pPr algn="ctr"/>
             <a:endParaRPr lang="ko-KR" altLang="en-US" dirty="0"/>
+          </a:p>
+        </p:txBody>
+      </p:sp>
+      <p:sp>
+        <p:nvSpPr>
+          <p:cNvPr id="4" name="右大括弧 3"/>
+          <p:cNvSpPr/>
+          <p:nvPr/>
+        </p:nvSpPr>
+        <p:spPr>
+          <a:xfrm>
+            <a:off x="5531657" y="1252012"/>
+            <a:ext cx="176884" cy="638612"/>
+          </a:xfrm>
+          <a:prstGeom prst="rightBrace">
+            <a:avLst/>
+          </a:prstGeom>
+          <a:noFill/>
+          <a:ln w="19050">
+            <a:solidFill>
+              <a:srgbClr val="1ED4DE"/>
+            </a:solidFill>
+          </a:ln>
+        </p:spPr>
+        <p:style>
+          <a:lnRef idx="1">
+            <a:schemeClr val="accent4"/>
+          </a:lnRef>
+          <a:fillRef idx="0">
+            <a:schemeClr val="accent4"/>
+          </a:fillRef>
+          <a:effectRef idx="0">
+            <a:schemeClr val="accent4"/>
+          </a:effectRef>
+          <a:fontRef idx="minor">
+            <a:schemeClr val="tx1"/>
+          </a:fontRef>
+        </p:style>
+        <p:txBody>
+          <a:bodyPr rtlCol="0" anchor="ctr"/>
+          <a:lstStyle/>
+          <a:p>
+            <a:pPr algn="ctr"/>
+            <a:endParaRPr lang="zh-TW" altLang="en-US"/>
           </a:p>
         </p:txBody>
       </p:sp>
@@ -4734,10 +4873,18 @@
             <a:r>
               <a:rPr lang="en-US" altLang="ko-KR" dirty="0" smtClean="0">
                 <a:solidFill>
+                  <a:srgbClr val="1C7DE1"/>
+                </a:solidFill>
+              </a:rPr>
+              <a:t>Purpose</a:t>
+            </a:r>
+            <a:r>
+              <a:rPr lang="en-US" altLang="ko-KR" dirty="0" smtClean="0">
+                <a:solidFill>
                   <a:srgbClr val="404040"/>
                 </a:solidFill>
               </a:rPr>
-              <a:t>Purpose of Test Plan</a:t>
+              <a:t> of Test Plan</a:t>
             </a:r>
             <a:endParaRPr lang="ko-KR" altLang="en-US" dirty="0">
               <a:solidFill>
@@ -4756,7 +4903,7 @@
         <p:spPr>
           <a:xfrm>
             <a:off x="1600674" y="1923678"/>
-            <a:ext cx="5942652" cy="923330"/>
+            <a:ext cx="5705408" cy="923330"/>
           </a:xfrm>
           <a:prstGeom prst="rect">
             <a:avLst/>
@@ -4777,7 +4924,47 @@
                 <a:latin typeface="標楷體" panose="03000509000000000000" pitchFamily="65" charset="-120"/>
                 <a:ea typeface="標楷體" panose="03000509000000000000" pitchFamily="65" charset="-120"/>
               </a:rPr>
-              <a:t>根據我們所訂下的測試項目，撰寫自動化測是腳本，</a:t>
+              <a:t>根據我們所訂下的測試項目，撰寫自動化</a:t>
+            </a:r>
+            <a:r>
+              <a:rPr lang="zh-TW" altLang="en-US" dirty="0" smtClean="0">
+                <a:solidFill>
+                  <a:srgbClr val="404040"/>
+                </a:solidFill>
+                <a:latin typeface="標楷體" panose="03000509000000000000" pitchFamily="65" charset="-120"/>
+                <a:ea typeface="標楷體" panose="03000509000000000000" pitchFamily="65" charset="-120"/>
+              </a:rPr>
+              <a:t>測</a:t>
+            </a:r>
+            <a:r>
+              <a:rPr lang="zh-TW" altLang="en-US" dirty="0">
+                <a:solidFill>
+                  <a:srgbClr val="404040"/>
+                </a:solidFill>
+                <a:latin typeface="標楷體" panose="03000509000000000000" pitchFamily="65" charset="-120"/>
+                <a:ea typeface="標楷體" panose="03000509000000000000" pitchFamily="65" charset="-120"/>
+              </a:rPr>
+              <a:t>試</a:t>
+            </a:r>
+            <a:r>
+              <a:rPr lang="zh-TW" altLang="en-US" dirty="0" smtClean="0">
+                <a:solidFill>
+                  <a:srgbClr val="404040"/>
+                </a:solidFill>
+                <a:latin typeface="標楷體" panose="03000509000000000000" pitchFamily="65" charset="-120"/>
+                <a:ea typeface="標楷體" panose="03000509000000000000" pitchFamily="65" charset="-120"/>
+              </a:rPr>
+              <a:t>腳本</a:t>
+            </a:r>
+            <a:r>
+              <a:rPr lang="zh-TW" altLang="en-US" dirty="0" smtClean="0">
+                <a:solidFill>
+                  <a:srgbClr val="404040"/>
+                </a:solidFill>
+                <a:latin typeface="標楷體" panose="03000509000000000000" pitchFamily="65" charset="-120"/>
+                <a:ea typeface="標楷體" panose="03000509000000000000" pitchFamily="65" charset="-120"/>
+              </a:rPr>
+              <a:t>，</a:t>
             </a:r>
             <a:endParaRPr lang="en-US" altLang="zh-TW" dirty="0" smtClean="0">
               <a:solidFill>
@@ -4839,7 +5026,27 @@
                 <a:latin typeface="標楷體" panose="03000509000000000000" pitchFamily="65" charset="-120"/>
                 <a:ea typeface="標楷體" panose="03000509000000000000" pitchFamily="65" charset="-120"/>
               </a:rPr>
-              <a:t>主要的基本功能，並產生測試結果報表後，</a:t>
+              <a:t>主要的基本功能</a:t>
+            </a:r>
+            <a:r>
+              <a:rPr lang="zh-TW" altLang="en-US" dirty="0" smtClean="0">
+                <a:solidFill>
+                  <a:srgbClr val="404040"/>
+                </a:solidFill>
+                <a:latin typeface="標楷體" panose="03000509000000000000" pitchFamily="65" charset="-120"/>
+                <a:ea typeface="標楷體" panose="03000509000000000000" pitchFamily="65" charset="-120"/>
+              </a:rPr>
+              <a:t>，產生</a:t>
+            </a:r>
+            <a:r>
+              <a:rPr lang="zh-TW" altLang="en-US" dirty="0" smtClean="0">
+                <a:solidFill>
+                  <a:srgbClr val="404040"/>
+                </a:solidFill>
+                <a:latin typeface="標楷體" panose="03000509000000000000" pitchFamily="65" charset="-120"/>
+                <a:ea typeface="標楷體" panose="03000509000000000000" pitchFamily="65" charset="-120"/>
+              </a:rPr>
+              <a:t>測試結果報表後，</a:t>
             </a:r>
             <a:endParaRPr lang="en-US" altLang="zh-TW" dirty="0" smtClean="0">
               <a:solidFill>
@@ -4949,7 +5156,6 @@
                 <a:solidFill>
                   <a:schemeClr val="accent5"/>
                 </a:solidFill>
-                <a:latin typeface="Times New Roman" panose="02020603050405020304" pitchFamily="18" charset="0"/>
                 <a:ea typeface="標楷體" panose="03000509000000000000" pitchFamily="65" charset="-120"/>
                 <a:cs typeface="Times New Roman" panose="02020603050405020304" pitchFamily="18" charset="0"/>
               </a:rPr>
@@ -4960,13 +5166,11 @@
                 <a:solidFill>
                   <a:schemeClr val="accent5"/>
                 </a:solidFill>
-                <a:latin typeface="Times New Roman" panose="02020603050405020304" pitchFamily="18" charset="0"/>
                 <a:cs typeface="Times New Roman" panose="02020603050405020304" pitchFamily="18" charset="0"/>
               </a:rPr>
               <a:t> To Be Tested</a:t>
             </a:r>
             <a:endParaRPr lang="ko-KR" altLang="en-US" dirty="0">
-              <a:latin typeface="Times New Roman" panose="02020603050405020304" pitchFamily="18" charset="0"/>
               <a:cs typeface="Times New Roman" panose="02020603050405020304" pitchFamily="18" charset="0"/>
             </a:endParaRPr>
           </a:p>
@@ -4994,7 +5198,7 @@
         </p:blipFill>
         <p:spPr>
           <a:xfrm>
-            <a:off x="899592" y="884466"/>
+            <a:off x="899592" y="1095926"/>
             <a:ext cx="1721250" cy="3060000"/>
           </a:xfrm>
           <a:prstGeom prst="rect">
@@ -5024,7 +5228,7 @@
         </p:blipFill>
         <p:spPr>
           <a:xfrm>
-            <a:off x="3711375" y="884466"/>
+            <a:off x="3711375" y="1095926"/>
             <a:ext cx="1721250" cy="3060000"/>
           </a:xfrm>
           <a:prstGeom prst="rect">
@@ -5040,7 +5244,7 @@
         </p:nvSpPr>
         <p:spPr>
           <a:xfrm>
-            <a:off x="6156176" y="1810734"/>
+            <a:off x="6372648" y="2019493"/>
             <a:ext cx="2519832" cy="1200329"/>
           </a:xfrm>
           <a:prstGeom prst="rect">
@@ -5173,7 +5377,6 @@
                 <a:solidFill>
                   <a:schemeClr val="accent5"/>
                 </a:solidFill>
-                <a:latin typeface="Times New Roman" panose="02020603050405020304" pitchFamily="18" charset="0"/>
                 <a:ea typeface="標楷體" panose="03000509000000000000" pitchFamily="65" charset="-120"/>
                 <a:cs typeface="Times New Roman" panose="02020603050405020304" pitchFamily="18" charset="0"/>
               </a:rPr>
@@ -5184,13 +5387,11 @@
                 <a:solidFill>
                   <a:schemeClr val="accent5"/>
                 </a:solidFill>
-                <a:latin typeface="Times New Roman" panose="02020603050405020304" pitchFamily="18" charset="0"/>
                 <a:cs typeface="Times New Roman" panose="02020603050405020304" pitchFamily="18" charset="0"/>
               </a:rPr>
               <a:t> To Be Tested</a:t>
             </a:r>
             <a:endParaRPr lang="ko-KR" altLang="en-US" dirty="0">
-              <a:latin typeface="Times New Roman" panose="02020603050405020304" pitchFamily="18" charset="0"/>
               <a:cs typeface="Times New Roman" panose="02020603050405020304" pitchFamily="18" charset="0"/>
             </a:endParaRPr>
           </a:p>
@@ -5264,7 +5465,7 @@
         </p:nvSpPr>
         <p:spPr>
           <a:xfrm>
-            <a:off x="6523158" y="1989417"/>
+            <a:off x="6372200" y="1989417"/>
             <a:ext cx="2519832" cy="1200329"/>
           </a:xfrm>
           <a:prstGeom prst="rect">
@@ -5397,7 +5598,6 @@
                 <a:solidFill>
                   <a:schemeClr val="accent5"/>
                 </a:solidFill>
-                <a:latin typeface="Times New Roman" panose="02020603050405020304" pitchFamily="18" charset="0"/>
                 <a:ea typeface="標楷體" panose="03000509000000000000" pitchFamily="65" charset="-120"/>
                 <a:cs typeface="Times New Roman" panose="02020603050405020304" pitchFamily="18" charset="0"/>
               </a:rPr>
@@ -5408,13 +5608,11 @@
                 <a:solidFill>
                   <a:schemeClr val="accent5"/>
                 </a:solidFill>
-                <a:latin typeface="Times New Roman" panose="02020603050405020304" pitchFamily="18" charset="0"/>
                 <a:cs typeface="Times New Roman" panose="02020603050405020304" pitchFamily="18" charset="0"/>
               </a:rPr>
               <a:t> To Be Tested</a:t>
             </a:r>
             <a:endParaRPr lang="ko-KR" altLang="en-US" dirty="0">
-              <a:latin typeface="Times New Roman" panose="02020603050405020304" pitchFamily="18" charset="0"/>
               <a:cs typeface="Times New Roman" panose="02020603050405020304" pitchFamily="18" charset="0"/>
             </a:endParaRPr>
           </a:p>
@@ -5442,7 +5640,7 @@
         </p:blipFill>
         <p:spPr>
           <a:xfrm>
-            <a:off x="1619672" y="1131590"/>
+            <a:off x="1619672" y="1059582"/>
             <a:ext cx="1721250" cy="3060000"/>
           </a:xfrm>
           <a:prstGeom prst="rect">
@@ -5593,7 +5791,6 @@
                 <a:solidFill>
                   <a:schemeClr val="accent5"/>
                 </a:solidFill>
-                <a:latin typeface="Times New Roman" panose="02020603050405020304" pitchFamily="18" charset="0"/>
                 <a:ea typeface="標楷體" panose="03000509000000000000" pitchFamily="65" charset="-120"/>
                 <a:cs typeface="Times New Roman" panose="02020603050405020304" pitchFamily="18" charset="0"/>
               </a:rPr>
@@ -5604,13 +5801,11 @@
                 <a:solidFill>
                   <a:schemeClr val="accent5"/>
                 </a:solidFill>
-                <a:latin typeface="Times New Roman" panose="02020603050405020304" pitchFamily="18" charset="0"/>
                 <a:cs typeface="Times New Roman" panose="02020603050405020304" pitchFamily="18" charset="0"/>
               </a:rPr>
               <a:t> To Be Tested</a:t>
             </a:r>
             <a:endParaRPr lang="ko-KR" altLang="en-US" dirty="0">
-              <a:latin typeface="Times New Roman" panose="02020603050405020304" pitchFamily="18" charset="0"/>
               <a:cs typeface="Times New Roman" panose="02020603050405020304" pitchFamily="18" charset="0"/>
             </a:endParaRPr>
           </a:p>
@@ -5797,7 +5992,6 @@
                 <a:solidFill>
                   <a:schemeClr val="accent5"/>
                 </a:solidFill>
-                <a:latin typeface="Times New Roman" panose="02020603050405020304" pitchFamily="18" charset="0"/>
                 <a:ea typeface="標楷體" panose="03000509000000000000" pitchFamily="65" charset="-120"/>
                 <a:cs typeface="Times New Roman" panose="02020603050405020304" pitchFamily="18" charset="0"/>
               </a:rPr>
@@ -5808,13 +6002,11 @@
                 <a:solidFill>
                   <a:schemeClr val="accent5"/>
                 </a:solidFill>
-                <a:latin typeface="Times New Roman" panose="02020603050405020304" pitchFamily="18" charset="0"/>
                 <a:cs typeface="Times New Roman" panose="02020603050405020304" pitchFamily="18" charset="0"/>
               </a:rPr>
               <a:t> To Be Tested</a:t>
             </a:r>
             <a:endParaRPr lang="ko-KR" altLang="en-US" dirty="0">
-              <a:latin typeface="Times New Roman" panose="02020603050405020304" pitchFamily="18" charset="0"/>
               <a:cs typeface="Times New Roman" panose="02020603050405020304" pitchFamily="18" charset="0"/>
             </a:endParaRPr>
           </a:p>
@@ -5842,7 +6034,7 @@
         </p:blipFill>
         <p:spPr>
           <a:xfrm>
-            <a:off x="3419872" y="1131590"/>
+            <a:off x="3491880" y="1131590"/>
             <a:ext cx="1721250" cy="3060000"/>
           </a:xfrm>
           <a:prstGeom prst="rect">
@@ -5872,7 +6064,7 @@
         </p:blipFill>
         <p:spPr>
           <a:xfrm>
-            <a:off x="611560" y="1131590"/>
+            <a:off x="971600" y="1131590"/>
             <a:ext cx="1721250" cy="3060000"/>
           </a:xfrm>
           <a:prstGeom prst="rect">

--- a/midterm.pptx
+++ b/midterm.pptx
@@ -2887,7 +2887,7 @@
       </p:sp>
       <p:pic>
         <p:nvPicPr>
-          <p:cNvPr id="3" name="圖片 2"/>
+          <p:cNvPr id="4" name="圖片 3"/>
           <p:cNvPicPr>
             <a:picLocks noChangeAspect="1"/>
           </p:cNvPicPr>
@@ -2907,8 +2907,8 @@
         </p:blipFill>
         <p:spPr>
           <a:xfrm>
-            <a:off x="395536" y="884466"/>
-            <a:ext cx="8064000" cy="3626342"/>
+            <a:off x="630000" y="699542"/>
+            <a:ext cx="7884000" cy="3942000"/>
           </a:xfrm>
           <a:prstGeom prst="rect">
             <a:avLst/>
@@ -3748,15 +3748,6 @@
               </a:rPr>
               <a:t>Read</a:t>
             </a:r>
-            <a:r>
-              <a:rPr lang="en-US" altLang="ko-KR" sz="1200" dirty="0" smtClean="0">
-                <a:solidFill>
-                  <a:srgbClr val="404040"/>
-                </a:solidFill>
-                <a:cs typeface="Arial" pitchFamily="34" charset="0"/>
-              </a:rPr>
-              <a:t/>
-            </a:r>
             <a:br>
               <a:rPr lang="en-US" altLang="ko-KR" sz="1200" dirty="0" smtClean="0">
                 <a:solidFill>
@@ -3774,12 +3765,6 @@
               </a:rPr>
               <a:t>Update</a:t>
             </a:r>
-            <a:endParaRPr lang="en-US" altLang="ko-KR" sz="1200" dirty="0" smtClean="0">
-              <a:solidFill>
-                <a:srgbClr val="404040"/>
-              </a:solidFill>
-              <a:cs typeface="Arial" pitchFamily="34" charset="0"/>
-            </a:endParaRPr>
           </a:p>
           <a:p>
             <a:r>
@@ -3791,12 +3776,6 @@
               </a:rPr>
               <a:t>Delete</a:t>
             </a:r>
-            <a:endParaRPr lang="en-US" altLang="ko-KR" sz="1200" dirty="0" smtClean="0">
-              <a:solidFill>
-                <a:srgbClr val="404040"/>
-              </a:solidFill>
-              <a:cs typeface="Arial" pitchFamily="34" charset="0"/>
-            </a:endParaRPr>
           </a:p>
         </p:txBody>
       </p:sp>
@@ -3858,31 +3837,7 @@
                   <a:srgbClr val="404040"/>
                 </a:solidFill>
               </a:rPr>
-              <a:t>Topic ( </a:t>
-            </a:r>
-            <a:r>
-              <a:rPr lang="en-US" altLang="zh-TW" sz="1200" dirty="0" smtClean="0">
-                <a:solidFill>
-                  <a:srgbClr val="404040"/>
-                </a:solidFill>
-              </a:rPr>
-              <a:t>Diary</a:t>
-            </a:r>
-            <a:r>
-              <a:rPr lang="en-US" altLang="zh-TW" sz="1200" dirty="0" smtClean="0">
-                <a:solidFill>
-                  <a:srgbClr val="404040"/>
-                </a:solidFill>
-              </a:rPr>
-              <a:t>, Memo and </a:t>
-            </a:r>
-            <a:r>
-              <a:rPr lang="en-US" altLang="zh-TW" sz="1200" dirty="0" smtClean="0">
-                <a:solidFill>
-                  <a:srgbClr val="404040"/>
-                </a:solidFill>
-              </a:rPr>
-              <a:t>Contacts )</a:t>
+              <a:t>Topic ( Diary, Memo and Contacts )</a:t>
             </a:r>
             <a:endParaRPr lang="zh-TW" altLang="en-US" sz="1200" dirty="0">
               <a:solidFill>
@@ -4924,47 +4879,27 @@
                 <a:latin typeface="標楷體" panose="03000509000000000000" pitchFamily="65" charset="-120"/>
                 <a:ea typeface="標楷體" panose="03000509000000000000" pitchFamily="65" charset="-120"/>
               </a:rPr>
-              <a:t>根據我們所訂下的測試項目，撰寫自動化</a:t>
-            </a:r>
-            <a:r>
-              <a:rPr lang="zh-TW" altLang="en-US" dirty="0" smtClean="0">
+              <a:t>根據我們所訂下的測試項目，撰寫自動化測</a:t>
+            </a:r>
+            <a:r>
+              <a:rPr lang="zh-TW" altLang="en-US" dirty="0">
                 <a:solidFill>
                   <a:srgbClr val="404040"/>
                 </a:solidFill>
                 <a:latin typeface="標楷體" panose="03000509000000000000" pitchFamily="65" charset="-120"/>
                 <a:ea typeface="標楷體" panose="03000509000000000000" pitchFamily="65" charset="-120"/>
               </a:rPr>
-              <a:t>測</a:t>
-            </a:r>
-            <a:r>
-              <a:rPr lang="zh-TW" altLang="en-US" dirty="0">
+              <a:t>試</a:t>
+            </a:r>
+            <a:r>
+              <a:rPr lang="zh-TW" altLang="en-US" dirty="0" smtClean="0">
                 <a:solidFill>
                   <a:srgbClr val="404040"/>
                 </a:solidFill>
                 <a:latin typeface="標楷體" panose="03000509000000000000" pitchFamily="65" charset="-120"/>
                 <a:ea typeface="標楷體" panose="03000509000000000000" pitchFamily="65" charset="-120"/>
               </a:rPr>
-              <a:t>試</a:t>
-            </a:r>
-            <a:r>
-              <a:rPr lang="zh-TW" altLang="en-US" dirty="0" smtClean="0">
-                <a:solidFill>
-                  <a:srgbClr val="404040"/>
-                </a:solidFill>
-                <a:latin typeface="標楷體" panose="03000509000000000000" pitchFamily="65" charset="-120"/>
-                <a:ea typeface="標楷體" panose="03000509000000000000" pitchFamily="65" charset="-120"/>
-              </a:rPr>
-              <a:t>腳本</a:t>
-            </a:r>
-            <a:r>
-              <a:rPr lang="zh-TW" altLang="en-US" dirty="0" smtClean="0">
-                <a:solidFill>
-                  <a:srgbClr val="404040"/>
-                </a:solidFill>
-                <a:latin typeface="標楷體" panose="03000509000000000000" pitchFamily="65" charset="-120"/>
-                <a:ea typeface="標楷體" panose="03000509000000000000" pitchFamily="65" charset="-120"/>
-              </a:rPr>
-              <a:t>，</a:t>
+              <a:t>腳本，</a:t>
             </a:r>
             <a:endParaRPr lang="en-US" altLang="zh-TW" dirty="0" smtClean="0">
               <a:solidFill>
@@ -5026,27 +4961,7 @@
                 <a:latin typeface="標楷體" panose="03000509000000000000" pitchFamily="65" charset="-120"/>
                 <a:ea typeface="標楷體" panose="03000509000000000000" pitchFamily="65" charset="-120"/>
               </a:rPr>
-              <a:t>主要的基本功能</a:t>
-            </a:r>
-            <a:r>
-              <a:rPr lang="zh-TW" altLang="en-US" dirty="0" smtClean="0">
-                <a:solidFill>
-                  <a:srgbClr val="404040"/>
-                </a:solidFill>
-                <a:latin typeface="標楷體" panose="03000509000000000000" pitchFamily="65" charset="-120"/>
-                <a:ea typeface="標楷體" panose="03000509000000000000" pitchFamily="65" charset="-120"/>
-              </a:rPr>
-              <a:t>，產生</a:t>
-            </a:r>
-            <a:r>
-              <a:rPr lang="zh-TW" altLang="en-US" dirty="0" smtClean="0">
-                <a:solidFill>
-                  <a:srgbClr val="404040"/>
-                </a:solidFill>
-                <a:latin typeface="標楷體" panose="03000509000000000000" pitchFamily="65" charset="-120"/>
-                <a:ea typeface="標楷體" panose="03000509000000000000" pitchFamily="65" charset="-120"/>
-              </a:rPr>
-              <a:t>測試結果報表後，</a:t>
+              <a:t>主要的基本功能，產生測試結果報表後，</a:t>
             </a:r>
             <a:endParaRPr lang="en-US" altLang="zh-TW" dirty="0" smtClean="0">
               <a:solidFill>
